--- a/200827/20.08.27.pptx
+++ b/200827/20.08.27.pptx
@@ -3612,7 +3612,7 @@
     <mc:Choice Requires="p14">
       <p:transition/>
     </mc:Choice>
-    <mc:Fallback xmlns="" xmlns:c="http://schemas.openxmlformats.org/drawingml/2006/chart" xmlns:dgm="http://schemas.openxmlformats.org/drawingml/2006/diagram" xmlns:dsp="http://schemas.microsoft.com/office/drawing/2008/diagram">
+    <mc:Fallback xmlns:dsp="http://schemas.microsoft.com/office/drawing/2008/diagram" xmlns:dgm="http://schemas.openxmlformats.org/drawingml/2006/diagram" xmlns:c="http://schemas.openxmlformats.org/drawingml/2006/chart" xmlns="">
       <p:transition/>
     </mc:Fallback>
   </mc:AlternateContent>
@@ -5139,7 +5139,7 @@
                 <a:latin typeface="바탕" panose="02030600000101010101" pitchFamily="18" charset="-127"/>
                 <a:ea typeface="바탕" panose="02030600000101010101" pitchFamily="18" charset="-127"/>
               </a:rPr>
-              <a:t>(package.xml)</a:t>
+              <a:t>(package.xml) </a:t>
             </a:r>
             <a:r>
               <a:rPr lang="ko-KR" altLang="en-US" sz="1500" b="1" dirty="0">
@@ -5151,7 +5151,7 @@
                 <a:latin typeface="바탕" panose="02030600000101010101" pitchFamily="18" charset="-127"/>
                 <a:ea typeface="바탕" panose="02030600000101010101" pitchFamily="18" charset="-127"/>
               </a:rPr>
-              <a:t>의 코드 이해</a:t>
+              <a:t>이해</a:t>
             </a:r>
             <a:endParaRPr lang="en-US" altLang="ko-KR" sz="1500" b="1" dirty="0">
               <a:solidFill>
@@ -5828,7 +5828,7 @@
                 <a:latin typeface="바탕" panose="02030600000101010101" pitchFamily="18" charset="-127"/>
                 <a:ea typeface="바탕" panose="02030600000101010101" pitchFamily="18" charset="-127"/>
               </a:rPr>
-              <a:t>의 코드 이해</a:t>
+              <a:t> 이해</a:t>
             </a:r>
             <a:endParaRPr lang="en-US" altLang="ko-KR" sz="1500" b="1" dirty="0">
               <a:solidFill>
@@ -6852,7 +6852,7 @@
     <mc:Choice Requires="p14">
       <p:transition/>
     </mc:Choice>
-    <mc:Fallback xmlns="" xmlns:c="http://schemas.openxmlformats.org/drawingml/2006/chart" xmlns:dgm="http://schemas.openxmlformats.org/drawingml/2006/diagram" xmlns:dsp="http://schemas.microsoft.com/office/drawing/2008/diagram">
+    <mc:Fallback xmlns:dsp="http://schemas.microsoft.com/office/drawing/2008/diagram" xmlns:dgm="http://schemas.openxmlformats.org/drawingml/2006/diagram" xmlns:c="http://schemas.openxmlformats.org/drawingml/2006/chart" xmlns="">
       <p:transition/>
     </mc:Fallback>
   </mc:AlternateContent>
@@ -7007,7 +7007,7 @@
     <mc:Choice Requires="p14">
       <p:transition/>
     </mc:Choice>
-    <mc:Fallback xmlns="" xmlns:c="http://schemas.openxmlformats.org/drawingml/2006/chart" xmlns:dgm="http://schemas.openxmlformats.org/drawingml/2006/diagram" xmlns:dsp="http://schemas.microsoft.com/office/drawing/2008/diagram">
+    <mc:Fallback xmlns:dsp="http://schemas.microsoft.com/office/drawing/2008/diagram" xmlns:dgm="http://schemas.openxmlformats.org/drawingml/2006/diagram" xmlns:c="http://schemas.openxmlformats.org/drawingml/2006/chart" xmlns="">
       <p:transition/>
     </mc:Fallback>
   </mc:AlternateContent>
@@ -7802,7 +7802,7 @@
     <mc:Choice Requires="p14">
       <p:transition/>
     </mc:Choice>
-    <mc:Fallback xmlns="" xmlns:c="http://schemas.openxmlformats.org/drawingml/2006/chart" xmlns:dgm="http://schemas.openxmlformats.org/drawingml/2006/diagram" xmlns:dsp="http://schemas.microsoft.com/office/drawing/2008/diagram">
+    <mc:Fallback xmlns:dsp="http://schemas.microsoft.com/office/drawing/2008/diagram" xmlns:dgm="http://schemas.openxmlformats.org/drawingml/2006/diagram" xmlns:c="http://schemas.openxmlformats.org/drawingml/2006/chart" xmlns="">
       <p:transition/>
     </mc:Fallback>
   </mc:AlternateContent>
@@ -8380,7 +8380,7 @@
     <mc:Choice Requires="p14">
       <p:transition/>
     </mc:Choice>
-    <mc:Fallback xmlns="" xmlns:c="http://schemas.openxmlformats.org/drawingml/2006/chart" xmlns:dgm="http://schemas.openxmlformats.org/drawingml/2006/diagram" xmlns:dsp="http://schemas.microsoft.com/office/drawing/2008/diagram">
+    <mc:Fallback xmlns:dsp="http://schemas.microsoft.com/office/drawing/2008/diagram" xmlns:dgm="http://schemas.openxmlformats.org/drawingml/2006/diagram" xmlns:c="http://schemas.openxmlformats.org/drawingml/2006/chart" xmlns="">
       <p:transition/>
     </mc:Fallback>
   </mc:AlternateContent>
@@ -11015,7 +11015,7 @@
               <a:defRPr/>
             </a:pPr>
             <a:r>
-              <a:rPr lang="ko-KR" altLang="en-US" sz="1500" dirty="0">
+              <a:rPr lang="ko-KR" altLang="en-US" sz="1500" b="1" dirty="0">
                 <a:solidFill>
                   <a:schemeClr val="tx1">
                     <a:lumMod val="50000"/>
@@ -11028,7 +11028,7 @@
               <a:t>클라이언트에서 요청이 </a:t>
             </a:r>
             <a:r>
-              <a:rPr lang="ko-KR" altLang="en-US" sz="1500" dirty="0" err="1">
+              <a:rPr lang="ko-KR" altLang="en-US" sz="1500" b="1" dirty="0" err="1">
                 <a:solidFill>
                   <a:schemeClr val="tx1">
                     <a:lumMod val="50000"/>
@@ -11041,7 +11041,7 @@
               <a:t>있을때만</a:t>
             </a:r>
             <a:r>
-              <a:rPr lang="en-US" altLang="ko-KR" sz="1500" dirty="0">
+              <a:rPr lang="en-US" altLang="ko-KR" sz="1500" b="1" dirty="0">
                 <a:solidFill>
                   <a:schemeClr val="tx1">
                     <a:lumMod val="50000"/>
@@ -11054,7 +11054,7 @@
               <a:t>, </a:t>
             </a:r>
             <a:r>
-              <a:rPr lang="ko-KR" altLang="en-US" sz="1500" dirty="0">
+              <a:rPr lang="ko-KR" altLang="en-US" sz="1500" b="1" dirty="0">
                 <a:solidFill>
                   <a:schemeClr val="tx1">
                     <a:lumMod val="50000"/>
@@ -11067,7 +11067,7 @@
               <a:t>서버에서 응답함</a:t>
             </a:r>
             <a:r>
-              <a:rPr lang="en-US" altLang="ko-KR" sz="1500" dirty="0">
+              <a:rPr lang="en-US" altLang="ko-KR" sz="1500" b="1" dirty="0">
                 <a:solidFill>
                   <a:schemeClr val="tx1">
                     <a:lumMod val="50000"/>
@@ -11088,7 +11088,7 @@
               <a:defRPr/>
             </a:pPr>
             <a:r>
-              <a:rPr lang="ko-KR" altLang="en-US" sz="1500" dirty="0">
+              <a:rPr lang="ko-KR" altLang="en-US" sz="1500" b="1" dirty="0">
                 <a:solidFill>
                   <a:schemeClr val="tx1">
                     <a:lumMod val="50000"/>
@@ -11101,7 +11101,7 @@
               <a:t>요청과 응답이 끊기면 노드 접속이 끊김</a:t>
             </a:r>
             <a:r>
-              <a:rPr lang="en-US" altLang="ko-KR" sz="1500" dirty="0">
+              <a:rPr lang="en-US" altLang="ko-KR" sz="1500" b="1" dirty="0">
                 <a:solidFill>
                   <a:schemeClr val="tx1">
                     <a:lumMod val="50000"/>
@@ -11382,7 +11382,7 @@
               <a:defRPr/>
             </a:pPr>
             <a:r>
-              <a:rPr lang="ko-KR" altLang="en-US" sz="1500" dirty="0">
+              <a:rPr lang="ko-KR" altLang="en-US" sz="1500" b="1" dirty="0">
                 <a:solidFill>
                   <a:schemeClr val="tx1">
                     <a:lumMod val="50000"/>
@@ -11395,7 +11395,7 @@
               <a:t>피드백</a:t>
             </a:r>
             <a:r>
-              <a:rPr lang="en-US" altLang="ko-KR" sz="1500" dirty="0">
+              <a:rPr lang="en-US" altLang="ko-KR" sz="1500" b="1" dirty="0">
                 <a:solidFill>
                   <a:schemeClr val="tx1">
                     <a:lumMod val="50000"/>
@@ -11408,7 +11408,7 @@
               <a:t>(</a:t>
             </a:r>
             <a:r>
-              <a:rPr lang="ko-KR" altLang="en-US" sz="1500" dirty="0">
+              <a:rPr lang="ko-KR" altLang="en-US" sz="1500" b="1" dirty="0">
                 <a:solidFill>
                   <a:schemeClr val="tx1">
                     <a:lumMod val="50000"/>
@@ -11421,7 +11421,7 @@
               <a:t>중간결과</a:t>
             </a:r>
             <a:r>
-              <a:rPr lang="en-US" altLang="ko-KR" sz="1500" dirty="0">
+              <a:rPr lang="en-US" altLang="ko-KR" sz="1500" b="1" dirty="0">
                 <a:solidFill>
                   <a:schemeClr val="tx1">
                     <a:lumMod val="50000"/>
@@ -11434,7 +11434,7 @@
               <a:t>)</a:t>
             </a:r>
             <a:r>
-              <a:rPr lang="ko-KR" altLang="en-US" sz="1500" dirty="0">
+              <a:rPr lang="ko-KR" altLang="en-US" sz="1500" b="1" dirty="0">
                 <a:solidFill>
                   <a:schemeClr val="tx1">
                     <a:lumMod val="50000"/>
@@ -11447,7 +11447,7 @@
               <a:t>가 필요할 때 사용함</a:t>
             </a:r>
             <a:r>
-              <a:rPr lang="en-US" altLang="ko-KR" sz="1500" dirty="0">
+              <a:rPr lang="en-US" altLang="ko-KR" sz="1500" b="1" dirty="0">
                 <a:solidFill>
                   <a:schemeClr val="tx1">
                     <a:lumMod val="50000"/>
@@ -11576,7 +11576,7 @@
                 <a:latin typeface="바탕"/>
                 <a:ea typeface="바탕"/>
               </a:rPr>
-              <a:t>Ubuntu 16.04 (Kinetic Ver.)</a:t>
+              <a:t>ROS Kinetic Version</a:t>
             </a:r>
             <a:r>
               <a:rPr lang="ko-KR" altLang="en-US" sz="1500" b="1" dirty="0">
@@ -12570,7 +12570,7 @@
         </p:blipFill>
         <p:spPr>
           <a:xfrm>
-            <a:off x="1419073" y="5626945"/>
+            <a:off x="1318293" y="5221363"/>
             <a:ext cx="6684145" cy="220761"/>
           </a:xfrm>
           <a:prstGeom prst="rect">
@@ -12594,7 +12594,7 @@
         </p:nvCxnSpPr>
         <p:spPr>
           <a:xfrm>
-            <a:off x="1865161" y="5868841"/>
+            <a:off x="3277542" y="5442063"/>
             <a:ext cx="294457" cy="292885"/>
           </a:xfrm>
           <a:prstGeom prst="bentConnector3">
@@ -12635,7 +12635,7 @@
         </p:nvSpPr>
         <p:spPr>
           <a:xfrm>
-            <a:off x="2255835" y="5993258"/>
+            <a:off x="3571999" y="5564203"/>
             <a:ext cx="6330462" cy="332783"/>
           </a:xfrm>
           <a:prstGeom prst="rect">
@@ -12816,7 +12816,7 @@
         </p:nvSpPr>
         <p:spPr>
           <a:xfrm>
-            <a:off x="927619" y="5148610"/>
+            <a:off x="406768" y="6162861"/>
             <a:ext cx="6330462" cy="332783"/>
           </a:xfrm>
           <a:prstGeom prst="rect">
@@ -12932,13 +12932,15 @@
               </a:ext>
             </a:extLst>
           </p:cNvPr>
-          <p:cNvCxnSpPr/>
+          <p:cNvCxnSpPr>
+            <a:cxnSpLocks/>
+          </p:cNvCxnSpPr>
           <p:nvPr/>
         </p:nvCxnSpPr>
         <p:spPr>
-          <a:xfrm flipV="1">
-            <a:off x="1491449" y="5481393"/>
-            <a:ext cx="0" cy="145552"/>
+          <a:xfrm flipH="1">
+            <a:off x="1383968" y="5425671"/>
+            <a:ext cx="1" cy="696106"/>
           </a:xfrm>
           <a:prstGeom prst="straightConnector1">
             <a:avLst/>
